--- a/Complimentary Course Content/Module3/Lessons/Module3_Lesson08 Maximizing Code Reuse with Xamarin.pptx
+++ b/Complimentary Course Content/Module3/Lessons/Module3_Lesson08 Maximizing Code Reuse with Xamarin.pptx
@@ -126,7 +126,7 @@
   </p:defaultTextStyle>
   <p:extLst>
     <p:ext uri="{EFAFB233-063F-42B5-8137-9DF3F51BA10A}">
-      <p15:sldGuideLst xmlns:p15="http://schemas.microsoft.com/office/powerpoint/2012/main" xmlns="">
+      <p15:sldGuideLst xmlns="" xmlns:p15="http://schemas.microsoft.com/office/powerpoint/2012/main">
         <p15:guide id="1" orient="horz" pos="2160">
           <p15:clr>
             <a:srgbClr val="A4A3A4"/>
@@ -225,7 +225,7 @@
           <a:p>
             <a:fld id="{49B60EF2-7028-489F-85D8-FE86CD7CF2A0}" type="datetimeFigureOut">
               <a:rPr lang="en-US" smtClean="0"/>
-              <a:t>6/28/16</a:t>
+              <a:t>6/30/16</a:t>
             </a:fld>
             <a:endParaRPr lang="en-US"/>
           </a:p>
@@ -3531,7 +3531,7 @@
           <a:p>
             <a:fld id="{0459C166-16D3-4A25-A2F8-C51E0E346B22}" type="datetimeFigureOut">
               <a:rPr lang="en-US" smtClean="0"/>
-              <a:t>6/28/16</a:t>
+              <a:t>6/30/16</a:t>
             </a:fld>
             <a:endParaRPr lang="en-US"/>
           </a:p>
@@ -3895,7 +3895,7 @@
           <a:p>
             <a:fld id="{0459C166-16D3-4A25-A2F8-C51E0E346B22}" type="datetimeFigureOut">
               <a:rPr lang="en-US" smtClean="0"/>
-              <a:t>6/28/16</a:t>
+              <a:t>6/30/16</a:t>
             </a:fld>
             <a:endParaRPr lang="en-US"/>
           </a:p>
@@ -4012,7 +4012,7 @@
           <a:p>
             <a:fld id="{0459C166-16D3-4A25-A2F8-C51E0E346B22}" type="datetimeFigureOut">
               <a:rPr lang="en-US" smtClean="0"/>
-              <a:t>6/28/16</a:t>
+              <a:t>6/30/16</a:t>
             </a:fld>
             <a:endParaRPr lang="en-US"/>
           </a:p>
@@ -4107,7 +4107,7 @@
           <a:p>
             <a:fld id="{0459C166-16D3-4A25-A2F8-C51E0E346B22}" type="datetimeFigureOut">
               <a:rPr lang="en-US" smtClean="0"/>
-              <a:t>6/28/16</a:t>
+              <a:t>6/30/16</a:t>
             </a:fld>
             <a:endParaRPr lang="en-US"/>
           </a:p>
@@ -4382,7 +4382,7 @@
           <a:p>
             <a:fld id="{0459C166-16D3-4A25-A2F8-C51E0E346B22}" type="datetimeFigureOut">
               <a:rPr lang="en-US" smtClean="0"/>
-              <a:t>6/28/16</a:t>
+              <a:t>6/30/16</a:t>
             </a:fld>
             <a:endParaRPr lang="en-US"/>
           </a:p>
@@ -4634,7 +4634,7 @@
           <a:p>
             <a:fld id="{0459C166-16D3-4A25-A2F8-C51E0E346B22}" type="datetimeFigureOut">
               <a:rPr lang="en-US" smtClean="0"/>
-              <a:t>6/28/16</a:t>
+              <a:t>6/30/16</a:t>
             </a:fld>
             <a:endParaRPr lang="en-US"/>
           </a:p>
@@ -4802,7 +4802,7 @@
           <a:p>
             <a:fld id="{0459C166-16D3-4A25-A2F8-C51E0E346B22}" type="datetimeFigureOut">
               <a:rPr lang="en-US" smtClean="0"/>
-              <a:t>6/28/16</a:t>
+              <a:t>6/30/16</a:t>
             </a:fld>
             <a:endParaRPr lang="en-US"/>
           </a:p>
@@ -4980,7 +4980,7 @@
           <a:p>
             <a:fld id="{0459C166-16D3-4A25-A2F8-C51E0E346B22}" type="datetimeFigureOut">
               <a:rPr lang="en-US" smtClean="0"/>
-              <a:t>6/28/16</a:t>
+              <a:t>6/30/16</a:t>
             </a:fld>
             <a:endParaRPr lang="en-US"/>
           </a:p>
@@ -5148,7 +5148,7 @@
           <a:p>
             <a:fld id="{0459C166-16D3-4A25-A2F8-C51E0E346B22}" type="datetimeFigureOut">
               <a:rPr lang="en-US" smtClean="0"/>
-              <a:t>6/28/16</a:t>
+              <a:t>6/30/16</a:t>
             </a:fld>
             <a:endParaRPr lang="en-US"/>
           </a:p>
@@ -5412,7 +5412,7 @@
             <a:fld id="{0459C166-16D3-4A25-A2F8-C51E0E346B22}" type="datetimeFigureOut">
               <a:rPr lang="en-US" smtClean="0"/>
               <a:pPr/>
-              <a:t>6/28/16</a:t>
+              <a:t>6/30/16</a:t>
             </a:fld>
             <a:endParaRPr lang="en-US"/>
           </a:p>
@@ -5728,7 +5728,7 @@
           <a:p>
             <a:fld id="{0459C166-16D3-4A25-A2F8-C51E0E346B22}" type="datetimeFigureOut">
               <a:rPr lang="en-US" smtClean="0"/>
-              <a:t>6/28/16</a:t>
+              <a:t>6/30/16</a:t>
             </a:fld>
             <a:endParaRPr lang="en-US"/>
           </a:p>
@@ -6120,7 +6120,7 @@
           <a:p>
             <a:fld id="{0459C166-16D3-4A25-A2F8-C51E0E346B22}" type="datetimeFigureOut">
               <a:rPr lang="en-US" smtClean="0"/>
-              <a:t>6/28/16</a:t>
+              <a:t>6/30/16</a:t>
             </a:fld>
             <a:endParaRPr lang="en-US"/>
           </a:p>
@@ -7081,7 +7081,7 @@
           <a:p>
             <a:fld id="{0459C166-16D3-4A25-A2F8-C51E0E346B22}" type="datetimeFigureOut">
               <a:rPr lang="en-US" smtClean="0"/>
-              <a:t>6/28/16</a:t>
+              <a:t>6/30/16</a:t>
             </a:fld>
             <a:endParaRPr lang="en-US"/>
           </a:p>
@@ -7292,7 +7292,7 @@
           <a:p>
             <a:fld id="{0459C166-16D3-4A25-A2F8-C51E0E346B22}" type="datetimeFigureOut">
               <a:rPr lang="en-US" smtClean="0"/>
-              <a:t>6/28/16</a:t>
+              <a:t>6/30/16</a:t>
             </a:fld>
             <a:endParaRPr lang="en-US"/>
           </a:p>
@@ -12608,7 +12608,7 @@
           <p:nvPr>
             <p:extLst>
               <p:ext uri="{D42A27DB-BD31-4B8C-83A1-F6EECF244321}">
-                <p14:modId xmlns:p14="http://schemas.microsoft.com/office/powerpoint/2010/main" val="2875303231"/>
+                <p14:modId xmlns:p14="http://schemas.microsoft.com/office/powerpoint/2010/main" val="1343791709"/>
               </p:ext>
             </p:extLst>
           </p:nvPr>
@@ -12627,14 +12627,14 @@
                 <a:gridCol w="5115359">
                   <a:extLst>
                     <a:ext uri="{9D8B030D-6E8A-4147-A177-3AD203B41FA5}">
-                      <a16:colId xmlns="" xmlns:a16="http://schemas.microsoft.com/office/drawing/2014/main" val="48614039"/>
+                      <a16:colId xmlns:a16="http://schemas.microsoft.com/office/drawing/2014/main" xmlns="" val="48614039"/>
                     </a:ext>
                   </a:extLst>
                 </a:gridCol>
                 <a:gridCol w="5115359">
                   <a:extLst>
                     <a:ext uri="{9D8B030D-6E8A-4147-A177-3AD203B41FA5}">
-                      <a16:colId xmlns="" xmlns:a16="http://schemas.microsoft.com/office/drawing/2014/main" val="1124546490"/>
+                      <a16:colId xmlns:a16="http://schemas.microsoft.com/office/drawing/2014/main" xmlns="" val="1124546490"/>
                     </a:ext>
                   </a:extLst>
                 </a:gridCol>
@@ -12647,7 +12647,7 @@
                     <a:p>
                       <a:pPr algn="ctr"/>
                       <a:r>
-                        <a:rPr lang="en-US" b="0" dirty="0" smtClean="0">
+                        <a:rPr lang="en-US" b="1" dirty="0" smtClean="0">
                           <a:solidFill>
                             <a:schemeClr val="bg1"/>
                           </a:solidFill>
@@ -12655,14 +12655,14 @@
                         <a:t>Code</a:t>
                       </a:r>
                       <a:r>
-                        <a:rPr lang="en-US" b="0" baseline="0" dirty="0" smtClean="0">
+                        <a:rPr lang="en-US" b="1" baseline="0" dirty="0" smtClean="0">
                           <a:solidFill>
                             <a:schemeClr val="bg1"/>
                           </a:solidFill>
                         </a:rPr>
                         <a:t> Sharing Option</a:t>
                       </a:r>
-                      <a:endParaRPr lang="en-US" b="0" dirty="0">
+                      <a:endParaRPr lang="en-US" b="1" dirty="0">
                         <a:solidFill>
                           <a:schemeClr val="bg1"/>
                         </a:solidFill>
@@ -12704,7 +12704,7 @@
                 </a:tc>
                 <a:extLst>
                   <a:ext uri="{0D108BD9-81ED-4DB2-BD59-A6C34878D82A}">
-                    <a16:rowId xmlns="" xmlns:a16="http://schemas.microsoft.com/office/drawing/2014/main" val="679667022"/>
+                    <a16:rowId xmlns:a16="http://schemas.microsoft.com/office/drawing/2014/main" xmlns="" val="679667022"/>
                   </a:ext>
                 </a:extLst>
               </a:tr>
@@ -12716,14 +12716,14 @@
                     <a:p>
                       <a:pPr algn="l"/>
                       <a:r>
-                        <a:rPr lang="en-US" dirty="0" smtClean="0"/>
+                        <a:rPr lang="en-US" b="1" dirty="0" smtClean="0"/>
                         <a:t>Conditional</a:t>
                       </a:r>
                       <a:r>
-                        <a:rPr lang="en-US" baseline="0" dirty="0" smtClean="0"/>
+                        <a:rPr lang="en-US" b="1" baseline="0" dirty="0" smtClean="0"/>
                         <a:t> Compilation</a:t>
                       </a:r>
-                      <a:endParaRPr lang="en-US" dirty="0"/>
+                      <a:endParaRPr lang="en-US" b="1" dirty="0"/>
                     </a:p>
                   </a:txBody>
                   <a:tcPr>
@@ -12757,7 +12757,7 @@
                 </a:tc>
                 <a:extLst>
                   <a:ext uri="{0D108BD9-81ED-4DB2-BD59-A6C34878D82A}">
-                    <a16:rowId xmlns="" xmlns:a16="http://schemas.microsoft.com/office/drawing/2014/main" val="2034482246"/>
+                    <a16:rowId xmlns:a16="http://schemas.microsoft.com/office/drawing/2014/main" xmlns="" val="2034482246"/>
                   </a:ext>
                 </a:extLst>
               </a:tr>
@@ -12769,7 +12769,7 @@
                     <a:p>
                       <a:pPr algn="l"/>
                       <a:r>
-                        <a:rPr lang="en-US" dirty="0" smtClean="0"/>
+                        <a:rPr lang="en-US" b="1" dirty="0" smtClean="0"/>
                         <a:t>File linking</a:t>
                       </a:r>
                     </a:p>
@@ -12820,7 +12820,7 @@
                 </a:tc>
                 <a:extLst>
                   <a:ext uri="{0D108BD9-81ED-4DB2-BD59-A6C34878D82A}">
-                    <a16:rowId xmlns="" xmlns:a16="http://schemas.microsoft.com/office/drawing/2014/main" val="682465758"/>
+                    <a16:rowId xmlns:a16="http://schemas.microsoft.com/office/drawing/2014/main" xmlns="" val="682465758"/>
                   </a:ext>
                 </a:extLst>
               </a:tr>
@@ -12832,14 +12832,14 @@
                     <a:p>
                       <a:pPr algn="l"/>
                       <a:r>
-                        <a:rPr lang="en-US" dirty="0" smtClean="0"/>
+                        <a:rPr lang="en-US" b="1" dirty="0" smtClean="0"/>
                         <a:t>Partial</a:t>
                       </a:r>
                       <a:r>
-                        <a:rPr lang="en-US" baseline="0" dirty="0" smtClean="0"/>
+                        <a:rPr lang="en-US" b="1" baseline="0" dirty="0" smtClean="0"/>
                         <a:t> Classes</a:t>
                       </a:r>
-                      <a:endParaRPr lang="en-US" dirty="0"/>
+                      <a:endParaRPr lang="en-US" b="1" dirty="0"/>
                     </a:p>
                   </a:txBody>
                   <a:tcPr>
@@ -12873,7 +12873,7 @@
                 </a:tc>
                 <a:extLst>
                   <a:ext uri="{0D108BD9-81ED-4DB2-BD59-A6C34878D82A}">
-                    <a16:rowId xmlns="" xmlns:a16="http://schemas.microsoft.com/office/drawing/2014/main" val="4230228483"/>
+                    <a16:rowId xmlns:a16="http://schemas.microsoft.com/office/drawing/2014/main" xmlns="" val="4230228483"/>
                   </a:ext>
                 </a:extLst>
               </a:tr>
@@ -12901,10 +12901,10 @@
                         <a:defRPr/>
                       </a:pPr>
                       <a:r>
-                        <a:rPr lang="en-US" dirty="0" smtClean="0"/>
+                        <a:rPr lang="en-US" b="1" dirty="0" smtClean="0"/>
                         <a:t>Partial method</a:t>
                       </a:r>
-                      <a:endParaRPr lang="en-US" dirty="0"/>
+                      <a:endParaRPr lang="en-US" b="1" dirty="0"/>
                     </a:p>
                   </a:txBody>
                   <a:tcPr>
@@ -12976,10 +12976,10 @@
                         <a:defRPr/>
                       </a:pPr>
                       <a:r>
-                        <a:rPr lang="en-US" dirty="0" smtClean="0"/>
+                        <a:rPr lang="en-US" b="1" dirty="0" smtClean="0"/>
                         <a:t>Dependency Injection(DI)</a:t>
                       </a:r>
-                      <a:endParaRPr lang="en-US" dirty="0"/>
+                      <a:endParaRPr lang="en-US" b="1" dirty="0"/>
                     </a:p>
                   </a:txBody>
                   <a:tcPr>
@@ -13028,7 +13028,7 @@
                 </a:tc>
                 <a:extLst>
                   <a:ext uri="{0D108BD9-81ED-4DB2-BD59-A6C34878D82A}">
-                    <a16:rowId xmlns="" xmlns:a16="http://schemas.microsoft.com/office/drawing/2014/main" val="3329658239"/>
+                    <a16:rowId xmlns:a16="http://schemas.microsoft.com/office/drawing/2014/main" xmlns="" val="3329658239"/>
                   </a:ext>
                 </a:extLst>
               </a:tr>
@@ -13319,7 +13319,7 @@
   <a:extraClrSchemeLst/>
   <a:extLst>
     <a:ext uri="{05A4C25C-085E-4340-85A3-A5531E510DB2}">
-      <thm15:themeFamily xmlns:thm15="http://schemas.microsoft.com/office/thememl/2012/main" xmlns="" name="Office Theme" id="{62F939B6-93AF-4DB8-9C6B-D6C7DFDC589F}" vid="{4A3C46E8-61CC-4603-A589-7422A47A8E4A}"/>
+      <thm15:themeFamily xmlns="" xmlns:thm15="http://schemas.microsoft.com/office/thememl/2012/main" name="Office Theme" id="{62F939B6-93AF-4DB8-9C6B-D6C7DFDC589F}" vid="{4A3C46E8-61CC-4603-A589-7422A47A8E4A}"/>
     </a:ext>
   </a:extLst>
 </a:theme>
@@ -13614,7 +13614,7 @@
   <a:extraClrSchemeLst/>
   <a:extLst>
     <a:ext uri="{05A4C25C-085E-4340-85A3-A5531E510DB2}">
-      <thm15:themeFamily xmlns:thm15="http://schemas.microsoft.com/office/thememl/2012/main" xmlns="" name="Office Theme" id="{62F939B6-93AF-4DB8-9C6B-D6C7DFDC589F}" vid="{4A3C46E8-61CC-4603-A589-7422A47A8E4A}"/>
+      <thm15:themeFamily xmlns="" xmlns:thm15="http://schemas.microsoft.com/office/thememl/2012/main" name="Office Theme" id="{62F939B6-93AF-4DB8-9C6B-D6C7DFDC589F}" vid="{4A3C46E8-61CC-4603-A589-7422A47A8E4A}"/>
     </a:ext>
   </a:extLst>
 </a:theme>

--- a/Complimentary Course Content/Module3/Lessons/Module3_Lesson08 Maximizing Code Reuse with Xamarin.pptx
+++ b/Complimentary Course Content/Module3/Lessons/Module3_Lesson08 Maximizing Code Reuse with Xamarin.pptx
@@ -126,7 +126,7 @@
   </p:defaultTextStyle>
   <p:extLst>
     <p:ext uri="{EFAFB233-063F-42B5-8137-9DF3F51BA10A}">
-      <p15:sldGuideLst xmlns="" xmlns:p15="http://schemas.microsoft.com/office/powerpoint/2012/main">
+      <p15:sldGuideLst xmlns:p15="http://schemas.microsoft.com/office/powerpoint/2012/main" xmlns="">
         <p15:guide id="1" orient="horz" pos="2160">
           <p15:clr>
             <a:srgbClr val="A4A3A4"/>
@@ -225,7 +225,7 @@
           <a:p>
             <a:fld id="{49B60EF2-7028-489F-85D8-FE86CD7CF2A0}" type="datetimeFigureOut">
               <a:rPr lang="en-US" smtClean="0"/>
-              <a:t>6/30/16</a:t>
+              <a:t>7/7/16</a:t>
             </a:fld>
             <a:endParaRPr lang="en-US"/>
           </a:p>
@@ -3531,7 +3531,7 @@
           <a:p>
             <a:fld id="{0459C166-16D3-4A25-A2F8-C51E0E346B22}" type="datetimeFigureOut">
               <a:rPr lang="en-US" smtClean="0"/>
-              <a:t>6/30/16</a:t>
+              <a:t>7/7/16</a:t>
             </a:fld>
             <a:endParaRPr lang="en-US"/>
           </a:p>
@@ -3895,7 +3895,7 @@
           <a:p>
             <a:fld id="{0459C166-16D3-4A25-A2F8-C51E0E346B22}" type="datetimeFigureOut">
               <a:rPr lang="en-US" smtClean="0"/>
-              <a:t>6/30/16</a:t>
+              <a:t>7/7/16</a:t>
             </a:fld>
             <a:endParaRPr lang="en-US"/>
           </a:p>
@@ -4012,7 +4012,7 @@
           <a:p>
             <a:fld id="{0459C166-16D3-4A25-A2F8-C51E0E346B22}" type="datetimeFigureOut">
               <a:rPr lang="en-US" smtClean="0"/>
-              <a:t>6/30/16</a:t>
+              <a:t>7/7/16</a:t>
             </a:fld>
             <a:endParaRPr lang="en-US"/>
           </a:p>
@@ -4107,7 +4107,7 @@
           <a:p>
             <a:fld id="{0459C166-16D3-4A25-A2F8-C51E0E346B22}" type="datetimeFigureOut">
               <a:rPr lang="en-US" smtClean="0"/>
-              <a:t>6/30/16</a:t>
+              <a:t>7/7/16</a:t>
             </a:fld>
             <a:endParaRPr lang="en-US"/>
           </a:p>
@@ -4382,7 +4382,7 @@
           <a:p>
             <a:fld id="{0459C166-16D3-4A25-A2F8-C51E0E346B22}" type="datetimeFigureOut">
               <a:rPr lang="en-US" smtClean="0"/>
-              <a:t>6/30/16</a:t>
+              <a:t>7/7/16</a:t>
             </a:fld>
             <a:endParaRPr lang="en-US"/>
           </a:p>
@@ -4634,7 +4634,7 @@
           <a:p>
             <a:fld id="{0459C166-16D3-4A25-A2F8-C51E0E346B22}" type="datetimeFigureOut">
               <a:rPr lang="en-US" smtClean="0"/>
-              <a:t>6/30/16</a:t>
+              <a:t>7/7/16</a:t>
             </a:fld>
             <a:endParaRPr lang="en-US"/>
           </a:p>
@@ -4802,7 +4802,7 @@
           <a:p>
             <a:fld id="{0459C166-16D3-4A25-A2F8-C51E0E346B22}" type="datetimeFigureOut">
               <a:rPr lang="en-US" smtClean="0"/>
-              <a:t>6/30/16</a:t>
+              <a:t>7/7/16</a:t>
             </a:fld>
             <a:endParaRPr lang="en-US"/>
           </a:p>
@@ -4980,7 +4980,7 @@
           <a:p>
             <a:fld id="{0459C166-16D3-4A25-A2F8-C51E0E346B22}" type="datetimeFigureOut">
               <a:rPr lang="en-US" smtClean="0"/>
-              <a:t>6/30/16</a:t>
+              <a:t>7/7/16</a:t>
             </a:fld>
             <a:endParaRPr lang="en-US"/>
           </a:p>
@@ -5148,7 +5148,7 @@
           <a:p>
             <a:fld id="{0459C166-16D3-4A25-A2F8-C51E0E346B22}" type="datetimeFigureOut">
               <a:rPr lang="en-US" smtClean="0"/>
-              <a:t>6/30/16</a:t>
+              <a:t>7/7/16</a:t>
             </a:fld>
             <a:endParaRPr lang="en-US"/>
           </a:p>
@@ -5412,7 +5412,7 @@
             <a:fld id="{0459C166-16D3-4A25-A2F8-C51E0E346B22}" type="datetimeFigureOut">
               <a:rPr lang="en-US" smtClean="0"/>
               <a:pPr/>
-              <a:t>6/30/16</a:t>
+              <a:t>7/7/16</a:t>
             </a:fld>
             <a:endParaRPr lang="en-US"/>
           </a:p>
@@ -5728,7 +5728,7 @@
           <a:p>
             <a:fld id="{0459C166-16D3-4A25-A2F8-C51E0E346B22}" type="datetimeFigureOut">
               <a:rPr lang="en-US" smtClean="0"/>
-              <a:t>6/30/16</a:t>
+              <a:t>7/7/16</a:t>
             </a:fld>
             <a:endParaRPr lang="en-US"/>
           </a:p>
@@ -6120,7 +6120,7 @@
           <a:p>
             <a:fld id="{0459C166-16D3-4A25-A2F8-C51E0E346B22}" type="datetimeFigureOut">
               <a:rPr lang="en-US" smtClean="0"/>
-              <a:t>6/30/16</a:t>
+              <a:t>7/7/16</a:t>
             </a:fld>
             <a:endParaRPr lang="en-US"/>
           </a:p>
@@ -7081,7 +7081,7 @@
           <a:p>
             <a:fld id="{0459C166-16D3-4A25-A2F8-C51E0E346B22}" type="datetimeFigureOut">
               <a:rPr lang="en-US" smtClean="0"/>
-              <a:t>6/30/16</a:t>
+              <a:t>7/7/16</a:t>
             </a:fld>
             <a:endParaRPr lang="en-US"/>
           </a:p>
@@ -7292,7 +7292,7 @@
           <a:p>
             <a:fld id="{0459C166-16D3-4A25-A2F8-C51E0E346B22}" type="datetimeFigureOut">
               <a:rPr lang="en-US" smtClean="0"/>
-              <a:t>6/30/16</a:t>
+              <a:t>7/7/16</a:t>
             </a:fld>
             <a:endParaRPr lang="en-US"/>
           </a:p>
@@ -11114,8 +11114,8 @@
         </p:nvSpPr>
         <p:spPr>
           <a:xfrm>
-            <a:off x="0" y="1764615"/>
-            <a:ext cx="12192000" cy="2662964"/>
+            <a:off x="0" y="1631467"/>
+            <a:ext cx="12192000" cy="2929260"/>
           </a:xfrm>
           <a:prstGeom prst="rect">
             <a:avLst/>
@@ -12627,14 +12627,14 @@
                 <a:gridCol w="5115359">
                   <a:extLst>
                     <a:ext uri="{9D8B030D-6E8A-4147-A177-3AD203B41FA5}">
-                      <a16:colId xmlns:a16="http://schemas.microsoft.com/office/drawing/2014/main" xmlns="" val="48614039"/>
+                      <a16:colId xmlns="" xmlns:a16="http://schemas.microsoft.com/office/drawing/2014/main" val="48614039"/>
                     </a:ext>
                   </a:extLst>
                 </a:gridCol>
                 <a:gridCol w="5115359">
                   <a:extLst>
                     <a:ext uri="{9D8B030D-6E8A-4147-A177-3AD203B41FA5}">
-                      <a16:colId xmlns:a16="http://schemas.microsoft.com/office/drawing/2014/main" xmlns="" val="1124546490"/>
+                      <a16:colId xmlns="" xmlns:a16="http://schemas.microsoft.com/office/drawing/2014/main" val="1124546490"/>
                     </a:ext>
                   </a:extLst>
                 </a:gridCol>
@@ -12704,7 +12704,7 @@
                 </a:tc>
                 <a:extLst>
                   <a:ext uri="{0D108BD9-81ED-4DB2-BD59-A6C34878D82A}">
-                    <a16:rowId xmlns:a16="http://schemas.microsoft.com/office/drawing/2014/main" xmlns="" val="679667022"/>
+                    <a16:rowId xmlns="" xmlns:a16="http://schemas.microsoft.com/office/drawing/2014/main" val="679667022"/>
                   </a:ext>
                 </a:extLst>
               </a:tr>
@@ -12757,7 +12757,7 @@
                 </a:tc>
                 <a:extLst>
                   <a:ext uri="{0D108BD9-81ED-4DB2-BD59-A6C34878D82A}">
-                    <a16:rowId xmlns:a16="http://schemas.microsoft.com/office/drawing/2014/main" xmlns="" val="2034482246"/>
+                    <a16:rowId xmlns="" xmlns:a16="http://schemas.microsoft.com/office/drawing/2014/main" val="2034482246"/>
                   </a:ext>
                 </a:extLst>
               </a:tr>
@@ -12820,7 +12820,7 @@
                 </a:tc>
                 <a:extLst>
                   <a:ext uri="{0D108BD9-81ED-4DB2-BD59-A6C34878D82A}">
-                    <a16:rowId xmlns:a16="http://schemas.microsoft.com/office/drawing/2014/main" xmlns="" val="682465758"/>
+                    <a16:rowId xmlns="" xmlns:a16="http://schemas.microsoft.com/office/drawing/2014/main" val="682465758"/>
                   </a:ext>
                 </a:extLst>
               </a:tr>
@@ -12873,7 +12873,7 @@
                 </a:tc>
                 <a:extLst>
                   <a:ext uri="{0D108BD9-81ED-4DB2-BD59-A6C34878D82A}">
-                    <a16:rowId xmlns:a16="http://schemas.microsoft.com/office/drawing/2014/main" xmlns="" val="4230228483"/>
+                    <a16:rowId xmlns="" xmlns:a16="http://schemas.microsoft.com/office/drawing/2014/main" val="4230228483"/>
                   </a:ext>
                 </a:extLst>
               </a:tr>
@@ -13028,7 +13028,7 @@
                 </a:tc>
                 <a:extLst>
                   <a:ext uri="{0D108BD9-81ED-4DB2-BD59-A6C34878D82A}">
-                    <a16:rowId xmlns:a16="http://schemas.microsoft.com/office/drawing/2014/main" xmlns="" val="3329658239"/>
+                    <a16:rowId xmlns="" xmlns:a16="http://schemas.microsoft.com/office/drawing/2014/main" val="3329658239"/>
                   </a:ext>
                 </a:extLst>
               </a:tr>
@@ -13319,7 +13319,7 @@
   <a:extraClrSchemeLst/>
   <a:extLst>
     <a:ext uri="{05A4C25C-085E-4340-85A3-A5531E510DB2}">
-      <thm15:themeFamily xmlns="" xmlns:thm15="http://schemas.microsoft.com/office/thememl/2012/main" name="Office Theme" id="{62F939B6-93AF-4DB8-9C6B-D6C7DFDC589F}" vid="{4A3C46E8-61CC-4603-A589-7422A47A8E4A}"/>
+      <thm15:themeFamily xmlns:thm15="http://schemas.microsoft.com/office/thememl/2012/main" xmlns="" name="Office Theme" id="{62F939B6-93AF-4DB8-9C6B-D6C7DFDC589F}" vid="{4A3C46E8-61CC-4603-A589-7422A47A8E4A}"/>
     </a:ext>
   </a:extLst>
 </a:theme>
@@ -13614,7 +13614,7 @@
   <a:extraClrSchemeLst/>
   <a:extLst>
     <a:ext uri="{05A4C25C-085E-4340-85A3-A5531E510DB2}">
-      <thm15:themeFamily xmlns="" xmlns:thm15="http://schemas.microsoft.com/office/thememl/2012/main" name="Office Theme" id="{62F939B6-93AF-4DB8-9C6B-D6C7DFDC589F}" vid="{4A3C46E8-61CC-4603-A589-7422A47A8E4A}"/>
+      <thm15:themeFamily xmlns:thm15="http://schemas.microsoft.com/office/thememl/2012/main" xmlns="" name="Office Theme" id="{62F939B6-93AF-4DB8-9C6B-D6C7DFDC589F}" vid="{4A3C46E8-61CC-4603-A589-7422A47A8E4A}"/>
     </a:ext>
   </a:extLst>
 </a:theme>

--- a/Complimentary Course Content/Module3/Lessons/Module3_Lesson08 Maximizing Code Reuse with Xamarin.pptx
+++ b/Complimentary Course Content/Module3/Lessons/Module3_Lesson08 Maximizing Code Reuse with Xamarin.pptx
@@ -126,7 +126,7 @@
   </p:defaultTextStyle>
   <p:extLst>
     <p:ext uri="{EFAFB233-063F-42B5-8137-9DF3F51BA10A}">
-      <p15:sldGuideLst xmlns:p15="http://schemas.microsoft.com/office/powerpoint/2012/main" xmlns="">
+      <p15:sldGuideLst xmlns:p15="http://schemas.microsoft.com/office/powerpoint/2012/main">
         <p15:guide id="1" orient="horz" pos="2160">
           <p15:clr>
             <a:srgbClr val="A4A3A4"/>
@@ -225,7 +225,7 @@
           <a:p>
             <a:fld id="{49B60EF2-7028-489F-85D8-FE86CD7CF2A0}" type="datetimeFigureOut">
               <a:rPr lang="en-US" smtClean="0"/>
-              <a:t>7/7/16</a:t>
+              <a:t>9/9/16</a:t>
             </a:fld>
             <a:endParaRPr lang="en-US"/>
           </a:p>
@@ -536,6 +536,117 @@
           <a:bodyPr/>
           <a:lstStyle/>
           <a:p>
+            <a:r>
+              <a:rPr lang="en-US" sz="1200" b="0" i="0" kern="1200" dirty="0" smtClean="0">
+                <a:solidFill>
+                  <a:schemeClr val="tx1"/>
+                </a:solidFill>
+                <a:effectLst/>
+                <a:latin typeface="+mn-lt"/>
+                <a:ea typeface="+mn-ea"/>
+                <a:cs typeface="+mn-cs"/>
+              </a:rPr>
+              <a:t>Images and excerpts from </a:t>
+            </a:r>
+            <a:r>
+              <a:rPr lang="en-US" sz="1200" b="0" i="1" kern="1200" dirty="0" err="1" smtClean="0">
+                <a:solidFill>
+                  <a:schemeClr val="tx1"/>
+                </a:solidFill>
+                <a:effectLst/>
+                <a:latin typeface="+mn-lt"/>
+                <a:ea typeface="+mn-ea"/>
+                <a:cs typeface="+mn-cs"/>
+              </a:rPr>
+              <a:t>Xamarin</a:t>
+            </a:r>
+            <a:r>
+              <a:rPr lang="en-US" sz="1200" b="0" i="1" kern="1200" dirty="0" smtClean="0">
+                <a:solidFill>
+                  <a:schemeClr val="tx1"/>
+                </a:solidFill>
+                <a:effectLst/>
+                <a:latin typeface="+mn-lt"/>
+                <a:ea typeface="+mn-ea"/>
+                <a:cs typeface="+mn-cs"/>
+              </a:rPr>
+              <a:t> Mobile Application Development </a:t>
+            </a:r>
+            <a:r>
+              <a:rPr lang="en-US" sz="1200" b="0" i="0" kern="1200" dirty="0" smtClean="0">
+                <a:solidFill>
+                  <a:schemeClr val="tx1"/>
+                </a:solidFill>
+                <a:effectLst/>
+                <a:latin typeface="+mn-lt"/>
+                <a:ea typeface="+mn-ea"/>
+                <a:cs typeface="+mn-cs"/>
+              </a:rPr>
+              <a:t>by Dan Hermes, published by </a:t>
+            </a:r>
+            <a:r>
+              <a:rPr lang="en-US" sz="1200" b="0" i="0" kern="1200" dirty="0" err="1" smtClean="0">
+                <a:solidFill>
+                  <a:schemeClr val="tx1"/>
+                </a:solidFill>
+                <a:effectLst/>
+                <a:latin typeface="+mn-lt"/>
+                <a:ea typeface="+mn-ea"/>
+                <a:cs typeface="+mn-cs"/>
+              </a:rPr>
+              <a:t>Apress</a:t>
+            </a:r>
+            <a:r>
+              <a:rPr lang="en-US" sz="1200" b="0" i="0" kern="1200" dirty="0" smtClean="0">
+                <a:solidFill>
+                  <a:schemeClr val="tx1"/>
+                </a:solidFill>
+                <a:effectLst/>
+                <a:latin typeface="+mn-lt"/>
+                <a:ea typeface="+mn-ea"/>
+                <a:cs typeface="+mn-cs"/>
+              </a:rPr>
+              <a:t>  </a:t>
+            </a:r>
+          </a:p>
+          <a:p>
+            <a:r>
+              <a:rPr lang="en-US" sz="1200" b="0" i="0" kern="1200" dirty="0" smtClean="0">
+                <a:solidFill>
+                  <a:schemeClr val="tx1"/>
+                </a:solidFill>
+                <a:effectLst/>
+                <a:latin typeface="+mn-lt"/>
+                <a:ea typeface="+mn-ea"/>
+                <a:cs typeface="+mn-cs"/>
+                <a:hlinkClick r:id="rId3"/>
+              </a:rPr>
+              <a:t>http://www.mobilecsharpcafe.com/xamarin</a:t>
+            </a:r>
+            <a:r>
+              <a:rPr lang="en-US" sz="1200" b="0" i="0" kern="1200" smtClean="0">
+                <a:solidFill>
+                  <a:schemeClr val="tx1"/>
+                </a:solidFill>
+                <a:effectLst/>
+                <a:latin typeface="+mn-lt"/>
+                <a:ea typeface="+mn-ea"/>
+                <a:cs typeface="+mn-cs"/>
+                <a:hlinkClick r:id="rId3"/>
+              </a:rPr>
+              <a:t>-book/</a:t>
+            </a:r>
+            <a:endParaRPr lang="en-US" sz="1200" b="0" i="0" kern="1200" smtClean="0">
+              <a:solidFill>
+                <a:schemeClr val="tx1"/>
+              </a:solidFill>
+              <a:effectLst/>
+              <a:latin typeface="+mn-lt"/>
+              <a:ea typeface="+mn-ea"/>
+              <a:cs typeface="+mn-cs"/>
+            </a:endParaRPr>
+          </a:p>
+          <a:p>
             <a:endParaRPr lang="en-US" dirty="0"/>
           </a:p>
         </p:txBody>
@@ -3531,7 +3642,7 @@
           <a:p>
             <a:fld id="{0459C166-16D3-4A25-A2F8-C51E0E346B22}" type="datetimeFigureOut">
               <a:rPr lang="en-US" smtClean="0"/>
-              <a:t>7/7/16</a:t>
+              <a:t>9/9/16</a:t>
             </a:fld>
             <a:endParaRPr lang="en-US"/>
           </a:p>
@@ -3895,7 +4006,7 @@
           <a:p>
             <a:fld id="{0459C166-16D3-4A25-A2F8-C51E0E346B22}" type="datetimeFigureOut">
               <a:rPr lang="en-US" smtClean="0"/>
-              <a:t>7/7/16</a:t>
+              <a:t>9/9/16</a:t>
             </a:fld>
             <a:endParaRPr lang="en-US"/>
           </a:p>
@@ -4012,7 +4123,7 @@
           <a:p>
             <a:fld id="{0459C166-16D3-4A25-A2F8-C51E0E346B22}" type="datetimeFigureOut">
               <a:rPr lang="en-US" smtClean="0"/>
-              <a:t>7/7/16</a:t>
+              <a:t>9/9/16</a:t>
             </a:fld>
             <a:endParaRPr lang="en-US"/>
           </a:p>
@@ -4107,7 +4218,7 @@
           <a:p>
             <a:fld id="{0459C166-16D3-4A25-A2F8-C51E0E346B22}" type="datetimeFigureOut">
               <a:rPr lang="en-US" smtClean="0"/>
-              <a:t>7/7/16</a:t>
+              <a:t>9/9/16</a:t>
             </a:fld>
             <a:endParaRPr lang="en-US"/>
           </a:p>
@@ -4382,7 +4493,7 @@
           <a:p>
             <a:fld id="{0459C166-16D3-4A25-A2F8-C51E0E346B22}" type="datetimeFigureOut">
               <a:rPr lang="en-US" smtClean="0"/>
-              <a:t>7/7/16</a:t>
+              <a:t>9/9/16</a:t>
             </a:fld>
             <a:endParaRPr lang="en-US"/>
           </a:p>
@@ -4634,7 +4745,7 @@
           <a:p>
             <a:fld id="{0459C166-16D3-4A25-A2F8-C51E0E346B22}" type="datetimeFigureOut">
               <a:rPr lang="en-US" smtClean="0"/>
-              <a:t>7/7/16</a:t>
+              <a:t>9/9/16</a:t>
             </a:fld>
             <a:endParaRPr lang="en-US"/>
           </a:p>
@@ -4802,7 +4913,7 @@
           <a:p>
             <a:fld id="{0459C166-16D3-4A25-A2F8-C51E0E346B22}" type="datetimeFigureOut">
               <a:rPr lang="en-US" smtClean="0"/>
-              <a:t>7/7/16</a:t>
+              <a:t>9/9/16</a:t>
             </a:fld>
             <a:endParaRPr lang="en-US"/>
           </a:p>
@@ -4980,7 +5091,7 @@
           <a:p>
             <a:fld id="{0459C166-16D3-4A25-A2F8-C51E0E346B22}" type="datetimeFigureOut">
               <a:rPr lang="en-US" smtClean="0"/>
-              <a:t>7/7/16</a:t>
+              <a:t>9/9/16</a:t>
             </a:fld>
             <a:endParaRPr lang="en-US"/>
           </a:p>
@@ -5148,7 +5259,7 @@
           <a:p>
             <a:fld id="{0459C166-16D3-4A25-A2F8-C51E0E346B22}" type="datetimeFigureOut">
               <a:rPr lang="en-US" smtClean="0"/>
-              <a:t>7/7/16</a:t>
+              <a:t>9/9/16</a:t>
             </a:fld>
             <a:endParaRPr lang="en-US"/>
           </a:p>
@@ -5412,7 +5523,7 @@
             <a:fld id="{0459C166-16D3-4A25-A2F8-C51E0E346B22}" type="datetimeFigureOut">
               <a:rPr lang="en-US" smtClean="0"/>
               <a:pPr/>
-              <a:t>7/7/16</a:t>
+              <a:t>9/9/16</a:t>
             </a:fld>
             <a:endParaRPr lang="en-US"/>
           </a:p>
@@ -5728,7 +5839,7 @@
           <a:p>
             <a:fld id="{0459C166-16D3-4A25-A2F8-C51E0E346B22}" type="datetimeFigureOut">
               <a:rPr lang="en-US" smtClean="0"/>
-              <a:t>7/7/16</a:t>
+              <a:t>9/9/16</a:t>
             </a:fld>
             <a:endParaRPr lang="en-US"/>
           </a:p>
@@ -6120,7 +6231,7 @@
           <a:p>
             <a:fld id="{0459C166-16D3-4A25-A2F8-C51E0E346B22}" type="datetimeFigureOut">
               <a:rPr lang="en-US" smtClean="0"/>
-              <a:t>7/7/16</a:t>
+              <a:t>9/9/16</a:t>
             </a:fld>
             <a:endParaRPr lang="en-US"/>
           </a:p>
@@ -7081,7 +7192,7 @@
           <a:p>
             <a:fld id="{0459C166-16D3-4A25-A2F8-C51E0E346B22}" type="datetimeFigureOut">
               <a:rPr lang="en-US" smtClean="0"/>
-              <a:t>7/7/16</a:t>
+              <a:t>9/9/16</a:t>
             </a:fld>
             <a:endParaRPr lang="en-US"/>
           </a:p>
@@ -7292,7 +7403,7 @@
           <a:p>
             <a:fld id="{0459C166-16D3-4A25-A2F8-C51E0E346B22}" type="datetimeFigureOut">
               <a:rPr lang="en-US" smtClean="0"/>
-              <a:t>7/7/16</a:t>
+              <a:t>9/9/16</a:t>
             </a:fld>
             <a:endParaRPr lang="en-US"/>
           </a:p>
@@ -7791,7 +7902,7 @@
   <p:timing>
     <p:tnLst>
       <p:par>
-        <p:cTn xmlns:p14="http://schemas.microsoft.com/office/powerpoint/2010/main" id="1" dur="indefinite" restart="never" nodeType="tmRoot"/>
+        <p:cTn id="1" dur="indefinite" restart="never" nodeType="tmRoot"/>
       </p:par>
     </p:tnLst>
   </p:timing>
@@ -8205,7 +8316,7 @@
   <p:timing>
     <p:tnLst>
       <p:par>
-        <p:cTn xmlns:p14="http://schemas.microsoft.com/office/powerpoint/2010/main" id="1" dur="indefinite" restart="never" nodeType="tmRoot"/>
+        <p:cTn id="1" dur="indefinite" restart="never" nodeType="tmRoot"/>
       </p:par>
     </p:tnLst>
   </p:timing>
@@ -8780,7 +8891,7 @@
   <p:timing>
     <p:tnLst>
       <p:par>
-        <p:cTn xmlns:p14="http://schemas.microsoft.com/office/powerpoint/2010/main" id="1" dur="indefinite" restart="never" nodeType="tmRoot"/>
+        <p:cTn id="1" dur="indefinite" restart="never" nodeType="tmRoot"/>
       </p:par>
     </p:tnLst>
   </p:timing>
@@ -8989,7 +9100,7 @@
   <p:timing>
     <p:tnLst>
       <p:par>
-        <p:cTn xmlns:p14="http://schemas.microsoft.com/office/powerpoint/2010/main" id="1" dur="indefinite" restart="never" nodeType="tmRoot"/>
+        <p:cTn id="1" dur="indefinite" restart="never" nodeType="tmRoot"/>
       </p:par>
     </p:tnLst>
   </p:timing>
@@ -9174,7 +9285,7 @@
   <p:timing>
     <p:tnLst>
       <p:par>
-        <p:cTn xmlns:p14="http://schemas.microsoft.com/office/powerpoint/2010/main" id="1" dur="indefinite" restart="never" nodeType="tmRoot"/>
+        <p:cTn id="1" dur="indefinite" restart="never" nodeType="tmRoot"/>
       </p:par>
     </p:tnLst>
   </p:timing>
@@ -9252,7 +9363,7 @@
   <p:timing>
     <p:tnLst>
       <p:par>
-        <p:cTn xmlns:p14="http://schemas.microsoft.com/office/powerpoint/2010/main" id="1" dur="indefinite" restart="never" nodeType="tmRoot"/>
+        <p:cTn id="1" dur="indefinite" restart="never" nodeType="tmRoot"/>
       </p:par>
     </p:tnLst>
   </p:timing>
@@ -9680,7 +9791,7 @@
   <p:timing>
     <p:tnLst>
       <p:par>
-        <p:cTn xmlns:p14="http://schemas.microsoft.com/office/powerpoint/2010/main" id="1" dur="indefinite" restart="never" nodeType="tmRoot"/>
+        <p:cTn id="1" dur="indefinite" restart="never" nodeType="tmRoot"/>
       </p:par>
     </p:tnLst>
   </p:timing>
@@ -9892,7 +10003,7 @@
   <p:timing>
     <p:tnLst>
       <p:par>
-        <p:cTn xmlns:p14="http://schemas.microsoft.com/office/powerpoint/2010/main" id="1" dur="indefinite" restart="never" nodeType="tmRoot"/>
+        <p:cTn id="1" dur="indefinite" restart="never" nodeType="tmRoot"/>
       </p:par>
     </p:tnLst>
   </p:timing>
@@ -10085,7 +10196,7 @@
   <p:timing>
     <p:tnLst>
       <p:par>
-        <p:cTn xmlns:p14="http://schemas.microsoft.com/office/powerpoint/2010/main" id="1" dur="indefinite" restart="never" nodeType="tmRoot"/>
+        <p:cTn id="1" dur="indefinite" restart="never" nodeType="tmRoot"/>
       </p:par>
     </p:tnLst>
   </p:timing>
@@ -10534,7 +10645,7 @@
   <p:timing>
     <p:tnLst>
       <p:par>
-        <p:cTn xmlns:p14="http://schemas.microsoft.com/office/powerpoint/2010/main" id="1" dur="indefinite" restart="never" nodeType="tmRoot"/>
+        <p:cTn id="1" dur="indefinite" restart="never" nodeType="tmRoot"/>
       </p:par>
     </p:tnLst>
   </p:timing>
@@ -10633,7 +10744,7 @@
   <p:timing>
     <p:tnLst>
       <p:par>
-        <p:cTn xmlns:p14="http://schemas.microsoft.com/office/powerpoint/2010/main" id="1" dur="indefinite" restart="never" nodeType="tmRoot"/>
+        <p:cTn id="1" dur="indefinite" restart="never" nodeType="tmRoot"/>
       </p:par>
     </p:tnLst>
   </p:timing>
@@ -11082,7 +11193,7 @@
   <p:timing>
     <p:tnLst>
       <p:par>
-        <p:cTn xmlns:p14="http://schemas.microsoft.com/office/powerpoint/2010/main" id="1" dur="indefinite" restart="never" nodeType="tmRoot"/>
+        <p:cTn id="1" dur="indefinite" restart="never" nodeType="tmRoot"/>
       </p:par>
     </p:tnLst>
   </p:timing>
@@ -11292,7 +11403,7 @@
   <p:timing>
     <p:tnLst>
       <p:par>
-        <p:cTn xmlns:p14="http://schemas.microsoft.com/office/powerpoint/2010/main" id="1" dur="indefinite" restart="never" nodeType="tmRoot"/>
+        <p:cTn id="1" dur="indefinite" restart="never" nodeType="tmRoot"/>
       </p:par>
     </p:tnLst>
   </p:timing>
@@ -11676,7 +11787,7 @@
   <p:timing>
     <p:tnLst>
       <p:par>
-        <p:cTn xmlns:p14="http://schemas.microsoft.com/office/powerpoint/2010/main" id="1" dur="indefinite" restart="never" nodeType="tmRoot"/>
+        <p:cTn id="1" dur="indefinite" restart="never" nodeType="tmRoot"/>
       </p:par>
     </p:tnLst>
   </p:timing>
@@ -11829,7 +11940,7 @@
   <p:timing>
     <p:tnLst>
       <p:par>
-        <p:cTn xmlns:p14="http://schemas.microsoft.com/office/powerpoint/2010/main" id="1" dur="indefinite" restart="never" nodeType="tmRoot"/>
+        <p:cTn id="1" dur="indefinite" restart="never" nodeType="tmRoot"/>
       </p:par>
     </p:tnLst>
   </p:timing>
@@ -12010,7 +12121,7 @@
   <p:timing>
     <p:tnLst>
       <p:par>
-        <p:cTn xmlns:p14="http://schemas.microsoft.com/office/powerpoint/2010/main" id="1" dur="indefinite" restart="never" nodeType="tmRoot"/>
+        <p:cTn id="1" dur="indefinite" restart="never" nodeType="tmRoot"/>
       </p:par>
     </p:tnLst>
   </p:timing>
@@ -12466,7 +12577,7 @@
   <p:timing>
     <p:tnLst>
       <p:par>
-        <p:cTn xmlns:p14="http://schemas.microsoft.com/office/powerpoint/2010/main" id="1" dur="indefinite" restart="never" nodeType="tmRoot"/>
+        <p:cTn id="1" dur="indefinite" restart="never" nodeType="tmRoot"/>
       </p:par>
     </p:tnLst>
   </p:timing>
@@ -12627,14 +12738,14 @@
                 <a:gridCol w="5115359">
                   <a:extLst>
                     <a:ext uri="{9D8B030D-6E8A-4147-A177-3AD203B41FA5}">
-                      <a16:colId xmlns="" xmlns:a16="http://schemas.microsoft.com/office/drawing/2014/main" val="48614039"/>
+                      <a16:colId xmlns:a16="http://schemas.microsoft.com/office/drawing/2014/main" xmlns="" val="48614039"/>
                     </a:ext>
                   </a:extLst>
                 </a:gridCol>
                 <a:gridCol w="5115359">
                   <a:extLst>
                     <a:ext uri="{9D8B030D-6E8A-4147-A177-3AD203B41FA5}">
-                      <a16:colId xmlns="" xmlns:a16="http://schemas.microsoft.com/office/drawing/2014/main" val="1124546490"/>
+                      <a16:colId xmlns:a16="http://schemas.microsoft.com/office/drawing/2014/main" xmlns="" val="1124546490"/>
                     </a:ext>
                   </a:extLst>
                 </a:gridCol>
@@ -12704,7 +12815,7 @@
                 </a:tc>
                 <a:extLst>
                   <a:ext uri="{0D108BD9-81ED-4DB2-BD59-A6C34878D82A}">
-                    <a16:rowId xmlns="" xmlns:a16="http://schemas.microsoft.com/office/drawing/2014/main" val="679667022"/>
+                    <a16:rowId xmlns:a16="http://schemas.microsoft.com/office/drawing/2014/main" xmlns="" val="679667022"/>
                   </a:ext>
                 </a:extLst>
               </a:tr>
@@ -12757,7 +12868,7 @@
                 </a:tc>
                 <a:extLst>
                   <a:ext uri="{0D108BD9-81ED-4DB2-BD59-A6C34878D82A}">
-                    <a16:rowId xmlns="" xmlns:a16="http://schemas.microsoft.com/office/drawing/2014/main" val="2034482246"/>
+                    <a16:rowId xmlns:a16="http://schemas.microsoft.com/office/drawing/2014/main" xmlns="" val="2034482246"/>
                   </a:ext>
                 </a:extLst>
               </a:tr>
@@ -12820,7 +12931,7 @@
                 </a:tc>
                 <a:extLst>
                   <a:ext uri="{0D108BD9-81ED-4DB2-BD59-A6C34878D82A}">
-                    <a16:rowId xmlns="" xmlns:a16="http://schemas.microsoft.com/office/drawing/2014/main" val="682465758"/>
+                    <a16:rowId xmlns:a16="http://schemas.microsoft.com/office/drawing/2014/main" xmlns="" val="682465758"/>
                   </a:ext>
                 </a:extLst>
               </a:tr>
@@ -12873,7 +12984,7 @@
                 </a:tc>
                 <a:extLst>
                   <a:ext uri="{0D108BD9-81ED-4DB2-BD59-A6C34878D82A}">
-                    <a16:rowId xmlns="" xmlns:a16="http://schemas.microsoft.com/office/drawing/2014/main" val="4230228483"/>
+                    <a16:rowId xmlns:a16="http://schemas.microsoft.com/office/drawing/2014/main" xmlns="" val="4230228483"/>
                   </a:ext>
                 </a:extLst>
               </a:tr>
@@ -13028,7 +13139,7 @@
                 </a:tc>
                 <a:extLst>
                   <a:ext uri="{0D108BD9-81ED-4DB2-BD59-A6C34878D82A}">
-                    <a16:rowId xmlns="" xmlns:a16="http://schemas.microsoft.com/office/drawing/2014/main" val="3329658239"/>
+                    <a16:rowId xmlns:a16="http://schemas.microsoft.com/office/drawing/2014/main" xmlns="" val="3329658239"/>
                   </a:ext>
                 </a:extLst>
               </a:tr>
@@ -13049,7 +13160,7 @@
   <p:timing>
     <p:tnLst>
       <p:par>
-        <p:cTn xmlns:p14="http://schemas.microsoft.com/office/powerpoint/2010/main" id="1" dur="indefinite" restart="never" nodeType="tmRoot"/>
+        <p:cTn id="1" dur="indefinite" restart="never" nodeType="tmRoot"/>
       </p:par>
     </p:tnLst>
   </p:timing>
@@ -13319,7 +13430,7 @@
   <a:extraClrSchemeLst/>
   <a:extLst>
     <a:ext uri="{05A4C25C-085E-4340-85A3-A5531E510DB2}">
-      <thm15:themeFamily xmlns:thm15="http://schemas.microsoft.com/office/thememl/2012/main" xmlns="" name="Office Theme" id="{62F939B6-93AF-4DB8-9C6B-D6C7DFDC589F}" vid="{4A3C46E8-61CC-4603-A589-7422A47A8E4A}"/>
+      <thm15:themeFamily xmlns:thm15="http://schemas.microsoft.com/office/thememl/2012/main" name="Office Theme" id="{62F939B6-93AF-4DB8-9C6B-D6C7DFDC589F}" vid="{4A3C46E8-61CC-4603-A589-7422A47A8E4A}"/>
     </a:ext>
   </a:extLst>
 </a:theme>
@@ -13614,7 +13725,7 @@
   <a:extraClrSchemeLst/>
   <a:extLst>
     <a:ext uri="{05A4C25C-085E-4340-85A3-A5531E510DB2}">
-      <thm15:themeFamily xmlns:thm15="http://schemas.microsoft.com/office/thememl/2012/main" xmlns="" name="Office Theme" id="{62F939B6-93AF-4DB8-9C6B-D6C7DFDC589F}" vid="{4A3C46E8-61CC-4603-A589-7422A47A8E4A}"/>
+      <thm15:themeFamily xmlns:thm15="http://schemas.microsoft.com/office/thememl/2012/main" name="Office Theme" id="{62F939B6-93AF-4DB8-9C6B-D6C7DFDC589F}" vid="{4A3C46E8-61CC-4603-A589-7422A47A8E4A}"/>
     </a:ext>
   </a:extLst>
 </a:theme>
